--- a/Simple Presentation about this project.pptx
+++ b/Simple Presentation about this project.pptx
@@ -19,6 +19,15 @@
     <p:embeddedFont>
       <p:font typeface="Hammersmith One" panose="02010703030501060504" pitchFamily="2" charset="0"/>
       <p:regular r:id="rId7"/>
+    </p:embeddedFont>
+    <p:embeddedFont>
+      <p:font typeface="MADE GoodTime Script" panose="02000504000000020004" pitchFamily="50" charset="0"/>
+      <p:regular r:id="rId8"/>
+    </p:embeddedFont>
+    <p:embeddedFont>
+      <p:font typeface="Roboto Condensed Light" panose="02000000000000000000" pitchFamily="2" charset="0"/>
+      <p:regular r:id="rId9"/>
+      <p:italic r:id="rId10"/>
     </p:embeddedFont>
   </p:embeddedFontLst>
   <p:defaultTextStyle>
@@ -11427,10 +11436,14 @@
               <a:buNone/>
             </a:pPr>
             <a:r>
-              <a:rPr lang="en-IN"/>
+              <a:rPr lang="en-IN" dirty="0">
+                <a:latin typeface="MADE GoodTime Script" panose="02000504000000020004" pitchFamily="50" charset="0"/>
+              </a:rPr>
               <a:t>Here</a:t>
             </a:r>
-            <a:endParaRPr dirty="0"/>
+            <a:endParaRPr dirty="0">
+              <a:latin typeface="MADE GoodTime Script" panose="02000504000000020004" pitchFamily="50" charset="0"/>
+            </a:endParaRPr>
           </a:p>
         </p:txBody>
       </p:sp>

--- a/Simple Presentation about this project.pptx
+++ b/Simple Presentation about this project.pptx
@@ -10,8 +10,8 @@
   <p:sldIdLst>
     <p:sldId id="256" r:id="rId2"/>
     <p:sldId id="257" r:id="rId3"/>
-    <p:sldId id="259" r:id="rId4"/>
-    <p:sldId id="262" r:id="rId5"/>
+    <p:sldId id="262" r:id="rId4"/>
+    <p:sldId id="264" r:id="rId5"/>
   </p:sldIdLst>
   <p:sldSz cx="9144000" cy="5143500" type="screen16x9"/>
   <p:notesSz cx="6858000" cy="9144000"/>
@@ -21,13 +21,9 @@
       <p:regular r:id="rId7"/>
     </p:embeddedFont>
     <p:embeddedFont>
-      <p:font typeface="MADE GoodTime Script" panose="02000504000000020004" pitchFamily="50" charset="0"/>
+      <p:font typeface="Roboto Condensed Light" panose="02000000000000000000" pitchFamily="2" charset="0"/>
       <p:regular r:id="rId8"/>
-    </p:embeddedFont>
-    <p:embeddedFont>
-      <p:font typeface="Roboto Condensed Light" panose="02000000000000000000" pitchFamily="2" charset="0"/>
-      <p:regular r:id="rId9"/>
-      <p:italic r:id="rId10"/>
+      <p:italic r:id="rId9"/>
     </p:embeddedFont>
   </p:embeddedFontLst>
   <p:defaultTextStyle>
@@ -259,6 +255,11 @@
       </a:defRPr>
     </a:lvl9pPr>
   </p:defaultTextStyle>
+  <p:extLst>
+    <p:ext uri="{EFAFB233-063F-42B5-8137-9DF3F51BA10A}">
+      <p15:sldGuideLst xmlns:p15="http://schemas.microsoft.com/office/powerpoint/2012/main"/>
+    </p:ext>
+  </p:extLst>
 </p:presentation>
 </file>
 
@@ -916,110 +917,6 @@
   <p:cSld>
     <p:spTree>
       <p:nvGrpSpPr>
-        <p:cNvPr id="1" name="Shape 1351"/>
-        <p:cNvGrpSpPr/>
-        <p:nvPr/>
-      </p:nvGrpSpPr>
-      <p:grpSpPr>
-        <a:xfrm>
-          <a:off x="0" y="0"/>
-          <a:ext cx="0" cy="0"/>
-          <a:chOff x="0" y="0"/>
-          <a:chExt cx="0" cy="0"/>
-        </a:xfrm>
-      </p:grpSpPr>
-      <p:sp>
-        <p:nvSpPr>
-          <p:cNvPr id="1352" name="Google Shape;1352;xl_extra_3:notes"/>
-          <p:cNvSpPr>
-            <a:spLocks noGrp="1" noRot="1" noChangeAspect="1"/>
-          </p:cNvSpPr>
-          <p:nvPr>
-            <p:ph type="sldImg" idx="2"/>
-          </p:nvPr>
-        </p:nvSpPr>
-        <p:spPr>
-          <a:xfrm>
-            <a:off x="381000" y="685800"/>
-            <a:ext cx="6096000" cy="3429000"/>
-          </a:xfrm>
-          <a:custGeom>
-            <a:avLst/>
-            <a:gdLst/>
-            <a:ahLst/>
-            <a:cxnLst/>
-            <a:rect l="l" t="t" r="r" b="b"/>
-            <a:pathLst>
-              <a:path w="120000" h="120000" extrusionOk="0">
-                <a:moveTo>
-                  <a:pt x="0" y="0"/>
-                </a:moveTo>
-                <a:lnTo>
-                  <a:pt x="120000" y="0"/>
-                </a:lnTo>
-                <a:lnTo>
-                  <a:pt x="120000" y="120000"/>
-                </a:lnTo>
-                <a:lnTo>
-                  <a:pt x="0" y="120000"/>
-                </a:lnTo>
-                <a:close/>
-              </a:path>
-            </a:pathLst>
-          </a:custGeom>
-        </p:spPr>
-      </p:sp>
-      <p:sp>
-        <p:nvSpPr>
-          <p:cNvPr id="1353" name="Google Shape;1353;xl_extra_3:notes"/>
-          <p:cNvSpPr txBox="1">
-            <a:spLocks noGrp="1"/>
-          </p:cNvSpPr>
-          <p:nvPr>
-            <p:ph type="body" idx="1"/>
-          </p:nvPr>
-        </p:nvSpPr>
-        <p:spPr>
-          <a:xfrm>
-            <a:off x="685800" y="4343400"/>
-            <a:ext cx="5486400" cy="4114800"/>
-          </a:xfrm>
-          <a:prstGeom prst="rect">
-            <a:avLst/>
-          </a:prstGeom>
-        </p:spPr>
-        <p:txBody>
-          <a:bodyPr spcFirstLastPara="1" wrap="square" lIns="91425" tIns="91425" rIns="91425" bIns="91425" anchor="t" anchorCtr="0">
-            <a:noAutofit/>
-          </a:bodyPr>
-          <a:lstStyle/>
-          <a:p>
-            <a:pPr marL="0" lvl="0" indent="0" algn="l" rtl="0">
-              <a:spcBef>
-                <a:spcPts val="0"/>
-              </a:spcBef>
-              <a:spcAft>
-                <a:spcPts val="0"/>
-              </a:spcAft>
-              <a:buNone/>
-            </a:pPr>
-            <a:endParaRPr/>
-          </a:p>
-        </p:txBody>
-      </p:sp>
-    </p:spTree>
-  </p:cSld>
-  <p:clrMapOvr>
-    <a:masterClrMapping/>
-  </p:clrMapOvr>
-</p:notes>
-</file>
-
-<file path=ppt/notesSlides/notesSlide4.xml><?xml version="1.0" encoding="utf-8"?>
-<p:notes xmlns:a="http://schemas.openxmlformats.org/drawingml/2006/main" xmlns:r="http://schemas.openxmlformats.org/officeDocument/2006/relationships" xmlns:p="http://schemas.openxmlformats.org/presentationml/2006/main" showMasterSp="0" showMasterPhAnim="0">
-  <p:cSld>
-    <p:spTree>
-      <p:nvGrpSpPr>
         <p:cNvPr id="1" name="Shape 1371"/>
         <p:cNvGrpSpPr/>
         <p:nvPr/>
@@ -1112,6 +1009,115 @@
         </p:txBody>
       </p:sp>
     </p:spTree>
+  </p:cSld>
+  <p:clrMapOvr>
+    <a:masterClrMapping/>
+  </p:clrMapOvr>
+</p:notes>
+</file>
+
+<file path=ppt/notesSlides/notesSlide4.xml><?xml version="1.0" encoding="utf-8"?>
+<p:notes xmlns:a="http://schemas.openxmlformats.org/drawingml/2006/main" xmlns:r="http://schemas.openxmlformats.org/officeDocument/2006/relationships" xmlns:p="http://schemas.openxmlformats.org/presentationml/2006/main" showMasterSp="0" showMasterPhAnim="0">
+  <p:cSld>
+    <p:spTree>
+      <p:nvGrpSpPr>
+        <p:cNvPr id="1" name="Shape 1322"/>
+        <p:cNvGrpSpPr/>
+        <p:nvPr/>
+      </p:nvGrpSpPr>
+      <p:grpSpPr>
+        <a:xfrm>
+          <a:off x="0" y="0"/>
+          <a:ext cx="0" cy="0"/>
+          <a:chOff x="0" y="0"/>
+          <a:chExt cx="0" cy="0"/>
+        </a:xfrm>
+      </p:grpSpPr>
+      <p:sp>
+        <p:nvSpPr>
+          <p:cNvPr id="1323" name="Google Shape;1323;gc6a01074ef_0_17929:notes"/>
+          <p:cNvSpPr>
+            <a:spLocks noGrp="1" noRot="1" noChangeAspect="1"/>
+          </p:cNvSpPr>
+          <p:nvPr>
+            <p:ph type="sldImg" idx="2"/>
+          </p:nvPr>
+        </p:nvSpPr>
+        <p:spPr>
+          <a:xfrm>
+            <a:off x="381000" y="685800"/>
+            <a:ext cx="6096000" cy="3429000"/>
+          </a:xfrm>
+          <a:custGeom>
+            <a:avLst/>
+            <a:gdLst/>
+            <a:ahLst/>
+            <a:cxnLst/>
+            <a:rect l="l" t="t" r="r" b="b"/>
+            <a:pathLst>
+              <a:path w="120000" h="120000" extrusionOk="0">
+                <a:moveTo>
+                  <a:pt x="0" y="0"/>
+                </a:moveTo>
+                <a:lnTo>
+                  <a:pt x="120000" y="0"/>
+                </a:lnTo>
+                <a:lnTo>
+                  <a:pt x="120000" y="120000"/>
+                </a:lnTo>
+                <a:lnTo>
+                  <a:pt x="0" y="120000"/>
+                </a:lnTo>
+                <a:close/>
+              </a:path>
+            </a:pathLst>
+          </a:custGeom>
+        </p:spPr>
+      </p:sp>
+      <p:sp>
+        <p:nvSpPr>
+          <p:cNvPr id="1324" name="Google Shape;1324;gc6a01074ef_0_17929:notes"/>
+          <p:cNvSpPr txBox="1">
+            <a:spLocks noGrp="1"/>
+          </p:cNvSpPr>
+          <p:nvPr>
+            <p:ph type="body" idx="1"/>
+          </p:nvPr>
+        </p:nvSpPr>
+        <p:spPr>
+          <a:xfrm>
+            <a:off x="685800" y="4343400"/>
+            <a:ext cx="5486400" cy="4114800"/>
+          </a:xfrm>
+          <a:prstGeom prst="rect">
+            <a:avLst/>
+          </a:prstGeom>
+        </p:spPr>
+        <p:txBody>
+          <a:bodyPr spcFirstLastPara="1" wrap="square" lIns="91425" tIns="91425" rIns="91425" bIns="91425" anchor="t" anchorCtr="0">
+            <a:noAutofit/>
+          </a:bodyPr>
+          <a:lstStyle/>
+          <a:p>
+            <a:pPr marL="0" lvl="0" indent="0" algn="l" rtl="0">
+              <a:spcBef>
+                <a:spcPts val="0"/>
+              </a:spcBef>
+              <a:spcAft>
+                <a:spcPts val="0"/>
+              </a:spcAft>
+              <a:buNone/>
+            </a:pPr>
+            <a:endParaRPr/>
+          </a:p>
+        </p:txBody>
+      </p:sp>
+    </p:spTree>
+    <p:extLst>
+      <p:ext uri="{BB962C8B-B14F-4D97-AF65-F5344CB8AC3E}">
+        <p14:creationId xmlns:p14="http://schemas.microsoft.com/office/powerpoint/2010/main" val="3192067038"/>
+      </p:ext>
+    </p:extLst>
   </p:cSld>
   <p:clrMapOvr>
     <a:masterClrMapping/>
@@ -5929,31 +5935,6 @@
 </file>
 
 <file path=ppt/slideLayouts/slideLayout3.xml><?xml version="1.0" encoding="utf-8"?>
-<p:sldLayout xmlns:a="http://schemas.openxmlformats.org/drawingml/2006/main" xmlns:r="http://schemas.openxmlformats.org/officeDocument/2006/relationships" xmlns:p="http://schemas.openxmlformats.org/presentationml/2006/main" matchingName="Blank" type="blank">
-  <p:cSld name="BLANK">
-    <p:spTree>
-      <p:nvGrpSpPr>
-        <p:cNvPr id="1" name="Shape 208"/>
-        <p:cNvGrpSpPr/>
-        <p:nvPr/>
-      </p:nvGrpSpPr>
-      <p:grpSpPr>
-        <a:xfrm>
-          <a:off x="0" y="0"/>
-          <a:ext cx="0" cy="0"/>
-          <a:chOff x="0" y="0"/>
-          <a:chExt cx="0" cy="0"/>
-        </a:xfrm>
-      </p:grpSpPr>
-    </p:spTree>
-  </p:cSld>
-  <p:clrMapOvr>
-    <a:masterClrMapping/>
-  </p:clrMapOvr>
-</p:sldLayout>
-</file>
-
-<file path=ppt/slideLayouts/slideLayout4.xml><?xml version="1.0" encoding="utf-8"?>
 <p:sldLayout xmlns:a="http://schemas.openxmlformats.org/drawingml/2006/main" xmlns:r="http://schemas.openxmlformats.org/officeDocument/2006/relationships" xmlns:p="http://schemas.openxmlformats.org/presentationml/2006/main" matchingName="One column text 2">
   <p:cSld name="CUSTOM_24_1">
     <p:spTree>
@@ -10543,8 +10524,7 @@
   <p:sldLayoutIdLst>
     <p:sldLayoutId id="2147483648" r:id="rId1"/>
     <p:sldLayoutId id="2147483650" r:id="rId2"/>
-    <p:sldLayoutId id="2147483658" r:id="rId3"/>
-    <p:sldLayoutId id="2147483665" r:id="rId4"/>
+    <p:sldLayoutId id="2147483665" r:id="rId3"/>
   </p:sldLayoutIdLst>
   <p:hf sldNum="0" hdr="0" ftr="0" dt="0"/>
   <p:txStyles>
@@ -11369,10 +11349,14 @@
               <a:buNone/>
             </a:pPr>
             <a:r>
-              <a:rPr lang="en" dirty="0"/>
+              <a:rPr lang="en" dirty="0">
+                <a:latin typeface="Hammersmith One" panose="02010703030501060504" pitchFamily="2" charset="0"/>
+              </a:rPr>
               <a:t>Here is where our presentation begins</a:t>
             </a:r>
-            <a:endParaRPr dirty="0"/>
+            <a:endParaRPr dirty="0">
+              <a:latin typeface="Hammersmith One" panose="02010703030501060504" pitchFamily="2" charset="0"/>
+            </a:endParaRPr>
           </a:p>
         </p:txBody>
       </p:sp>
@@ -11401,6 +11385,36 @@
           <a:chExt cx="0" cy="0"/>
         </a:xfrm>
       </p:grpSpPr>
+      <p:pic>
+        <p:nvPicPr>
+          <p:cNvPr id="7" name="Picture 6">
+            <a:extLst>
+              <a:ext uri="{FF2B5EF4-FFF2-40B4-BE49-F238E27FC236}">
+                <a16:creationId xmlns:a16="http://schemas.microsoft.com/office/drawing/2014/main" id="{FBA8F3F0-903D-F6F6-E96D-2D37652E5B65}"/>
+              </a:ext>
+            </a:extLst>
+          </p:cNvPr>
+          <p:cNvPicPr>
+            <a:picLocks noChangeAspect="1"/>
+          </p:cNvPicPr>
+          <p:nvPr/>
+        </p:nvPicPr>
+        <p:blipFill>
+          <a:blip r:embed="rId3"/>
+          <a:stretch>
+            <a:fillRect/>
+          </a:stretch>
+        </p:blipFill>
+        <p:spPr>
+          <a:xfrm>
+            <a:off x="559558" y="1710277"/>
+            <a:ext cx="3896436" cy="3433223"/>
+          </a:xfrm>
+          <a:prstGeom prst="rect">
+            <a:avLst/>
+          </a:prstGeom>
+        </p:spPr>
+      </p:pic>
       <p:sp>
         <p:nvSpPr>
           <p:cNvPr id="1326" name="Google Shape;1326;p55"/>
@@ -11437,12 +11451,54 @@
             </a:pPr>
             <a:r>
               <a:rPr lang="en-IN" dirty="0">
-                <a:latin typeface="MADE GoodTime Script" panose="02000504000000020004" pitchFamily="50" charset="0"/>
+                <a:latin typeface="Hammersmith One" panose="02010703030501060504" pitchFamily="2" charset="0"/>
               </a:rPr>
-              <a:t>Here</a:t>
+              <a:t>Here with java we have created a simple Password Generation where user can input their password generation length and the system returns a unique password with Capital, Small, Number and Symbols.</a:t>
             </a:r>
-            <a:endParaRPr dirty="0">
-              <a:latin typeface="MADE GoodTime Script" panose="02000504000000020004" pitchFamily="50" charset="0"/>
+          </a:p>
+          <a:p>
+            <a:pPr marL="0" lvl="0" indent="0" algn="l" rtl="0">
+              <a:spcBef>
+                <a:spcPts val="0"/>
+              </a:spcBef>
+              <a:spcAft>
+                <a:spcPts val="0"/>
+              </a:spcAft>
+              <a:buNone/>
+            </a:pPr>
+            <a:endParaRPr lang="en-IN" dirty="0">
+              <a:latin typeface="Hammersmith One" panose="02010703030501060504" pitchFamily="2" charset="0"/>
+            </a:endParaRPr>
+          </a:p>
+          <a:p>
+            <a:pPr marL="0" lvl="0" indent="0" algn="l" rtl="0">
+              <a:spcBef>
+                <a:spcPts val="0"/>
+              </a:spcBef>
+              <a:spcAft>
+                <a:spcPts val="0"/>
+              </a:spcAft>
+              <a:buNone/>
+            </a:pPr>
+            <a:r>
+              <a:rPr lang="en-IN" dirty="0">
+                <a:latin typeface="Hammersmith One" panose="02010703030501060504" pitchFamily="2" charset="0"/>
+              </a:rPr>
+              <a:t>Let’s See our Code:</a:t>
+            </a:r>
+          </a:p>
+          <a:p>
+            <a:pPr marL="0" lvl="0" indent="0" algn="l" rtl="0">
+              <a:spcBef>
+                <a:spcPts val="0"/>
+              </a:spcBef>
+              <a:spcAft>
+                <a:spcPts val="0"/>
+              </a:spcAft>
+              <a:buNone/>
+            </a:pPr>
+            <a:endParaRPr lang="en-IN" dirty="0">
+              <a:latin typeface="Hammersmith One" panose="02010703030501060504" pitchFamily="2" charset="0"/>
             </a:endParaRPr>
           </a:p>
         </p:txBody>
@@ -11483,9 +11539,260 @@
             </a:pPr>
             <a:r>
               <a:rPr lang="en" dirty="0"/>
-              <a:t>Content of this Password Generator</a:t>
+              <a:t>About this Password Generator</a:t>
             </a:r>
             <a:endParaRPr dirty="0"/>
+          </a:p>
+        </p:txBody>
+      </p:sp>
+      <p:sp>
+        <p:nvSpPr>
+          <p:cNvPr id="8" name="TextBox 7">
+            <a:extLst>
+              <a:ext uri="{FF2B5EF4-FFF2-40B4-BE49-F238E27FC236}">
+                <a16:creationId xmlns:a16="http://schemas.microsoft.com/office/drawing/2014/main" id="{4B6322D4-C525-3E01-B478-65EF407E1C0C}"/>
+              </a:ext>
+            </a:extLst>
+          </p:cNvPr>
+          <p:cNvSpPr txBox="1"/>
+          <p:nvPr/>
+        </p:nvSpPr>
+        <p:spPr>
+          <a:xfrm>
+            <a:off x="4394579" y="2480475"/>
+            <a:ext cx="3562066" cy="1892826"/>
+          </a:xfrm>
+          <a:prstGeom prst="rect">
+            <a:avLst/>
+          </a:prstGeom>
+          <a:noFill/>
+        </p:spPr>
+        <p:txBody>
+          <a:bodyPr wrap="square" rtlCol="0">
+            <a:spAutoFit/>
+          </a:bodyPr>
+          <a:lstStyle/>
+          <a:p>
+            <a:pPr marL="171450" lvl="0" indent="-171450" algn="l" rtl="0">
+              <a:spcBef>
+                <a:spcPts val="0"/>
+              </a:spcBef>
+              <a:spcAft>
+                <a:spcPts val="0"/>
+              </a:spcAft>
+              <a:buFont typeface="Arial" panose="020B0604020202020204" pitchFamily="34" charset="0"/>
+              <a:buChar char="•"/>
+            </a:pPr>
+            <a:r>
+              <a:rPr lang="en-IN" sz="900" dirty="0">
+                <a:solidFill>
+                  <a:schemeClr val="accent2"/>
+                </a:solidFill>
+                <a:latin typeface="Hammersmith One" panose="02010703030501060504" pitchFamily="2" charset="0"/>
+              </a:rPr>
+              <a:t>So Firstly, here we can see, we have taken </a:t>
+            </a:r>
+            <a:r>
+              <a:rPr lang="en-IN" sz="900" i="1" dirty="0">
+                <a:solidFill>
+                  <a:schemeClr val="accent2"/>
+                </a:solidFill>
+                <a:latin typeface="Hammersmith One" panose="02010703030501060504" pitchFamily="2" charset="0"/>
+              </a:rPr>
+              <a:t>String</a:t>
+            </a:r>
+            <a:r>
+              <a:rPr lang="en-IN" sz="900" dirty="0">
+                <a:solidFill>
+                  <a:schemeClr val="accent2"/>
+                </a:solidFill>
+                <a:latin typeface="Hammersmith One" panose="02010703030501060504" pitchFamily="2" charset="0"/>
+              </a:rPr>
+              <a:t> Data Type and Variables of </a:t>
+            </a:r>
+            <a:r>
+              <a:rPr lang="en-IN" sz="900" i="1" dirty="0" err="1">
+                <a:solidFill>
+                  <a:schemeClr val="accent2"/>
+                </a:solidFill>
+                <a:latin typeface="Hammersmith One" panose="02010703030501060504" pitchFamily="2" charset="0"/>
+              </a:rPr>
+              <a:t>Capital_chars</a:t>
+            </a:r>
+            <a:r>
+              <a:rPr lang="en-IN" sz="900" i="1" dirty="0">
+                <a:solidFill>
+                  <a:schemeClr val="accent2"/>
+                </a:solidFill>
+                <a:latin typeface="Hammersmith One" panose="02010703030501060504" pitchFamily="2" charset="0"/>
+              </a:rPr>
+              <a:t>, </a:t>
+            </a:r>
+            <a:r>
+              <a:rPr lang="en-IN" sz="900" i="1" dirty="0" err="1">
+                <a:solidFill>
+                  <a:schemeClr val="accent2"/>
+                </a:solidFill>
+                <a:latin typeface="Hammersmith One" panose="02010703030501060504" pitchFamily="2" charset="0"/>
+              </a:rPr>
+              <a:t>Small_chars</a:t>
+            </a:r>
+            <a:r>
+              <a:rPr lang="en-IN" sz="900" dirty="0">
+                <a:solidFill>
+                  <a:schemeClr val="accent2"/>
+                </a:solidFill>
+                <a:latin typeface="Hammersmith One" panose="02010703030501060504" pitchFamily="2" charset="0"/>
+              </a:rPr>
+              <a:t> etc </a:t>
+            </a:r>
+            <a:r>
+              <a:rPr lang="en-IN" sz="900" dirty="0" err="1">
+                <a:solidFill>
+                  <a:schemeClr val="accent2"/>
+                </a:solidFill>
+                <a:latin typeface="Hammersmith One" panose="02010703030501060504" pitchFamily="2" charset="0"/>
+              </a:rPr>
+              <a:t>etc</a:t>
+            </a:r>
+            <a:r>
+              <a:rPr lang="en-IN" sz="900" dirty="0">
+                <a:solidFill>
+                  <a:schemeClr val="accent2"/>
+                </a:solidFill>
+                <a:latin typeface="Hammersmith One" panose="02010703030501060504" pitchFamily="2" charset="0"/>
+              </a:rPr>
+              <a:t> and Defined what are these.</a:t>
+            </a:r>
+          </a:p>
+          <a:p>
+            <a:pPr marL="171450" lvl="0" indent="-171450" algn="l" rtl="0">
+              <a:spcBef>
+                <a:spcPts val="0"/>
+              </a:spcBef>
+              <a:spcAft>
+                <a:spcPts val="0"/>
+              </a:spcAft>
+              <a:buFont typeface="Arial" panose="020B0604020202020204" pitchFamily="34" charset="0"/>
+              <a:buChar char="•"/>
+            </a:pPr>
+            <a:r>
+              <a:rPr lang="en-IN" sz="900" dirty="0">
+                <a:solidFill>
+                  <a:schemeClr val="accent2"/>
+                </a:solidFill>
+                <a:latin typeface="Hammersmith One" panose="02010703030501060504" pitchFamily="2" charset="0"/>
+              </a:rPr>
+              <a:t>Secondly we have taken a object called values and added the Data Typed Variables here</a:t>
+            </a:r>
+          </a:p>
+          <a:p>
+            <a:pPr marL="171450" lvl="0" indent="-171450" algn="l" rtl="0">
+              <a:spcBef>
+                <a:spcPts val="0"/>
+              </a:spcBef>
+              <a:spcAft>
+                <a:spcPts val="0"/>
+              </a:spcAft>
+              <a:buFont typeface="Arial" panose="020B0604020202020204" pitchFamily="34" charset="0"/>
+              <a:buChar char="•"/>
+            </a:pPr>
+            <a:r>
+              <a:rPr lang="en-IN" sz="900" dirty="0">
+                <a:solidFill>
+                  <a:schemeClr val="accent2"/>
+                </a:solidFill>
+                <a:latin typeface="Hammersmith One" panose="02010703030501060504" pitchFamily="2" charset="0"/>
+              </a:rPr>
+              <a:t>Thirdly with </a:t>
+            </a:r>
+            <a:r>
+              <a:rPr lang="en-IN" sz="900" i="1" dirty="0">
+                <a:solidFill>
+                  <a:schemeClr val="accent2"/>
+                </a:solidFill>
+                <a:latin typeface="Hammersmith One" panose="02010703030501060504" pitchFamily="2" charset="0"/>
+              </a:rPr>
+              <a:t>Random();  </a:t>
+            </a:r>
+            <a:r>
+              <a:rPr lang="en-IN" sz="900" dirty="0">
+                <a:solidFill>
+                  <a:schemeClr val="accent2"/>
+                </a:solidFill>
+                <a:latin typeface="Hammersmith One" panose="02010703030501060504" pitchFamily="2" charset="0"/>
+              </a:rPr>
+              <a:t>function on java library we run a Random method.</a:t>
+            </a:r>
+          </a:p>
+          <a:p>
+            <a:pPr marL="171450" lvl="0" indent="-171450" algn="l" rtl="0">
+              <a:spcBef>
+                <a:spcPts val="0"/>
+              </a:spcBef>
+              <a:spcAft>
+                <a:spcPts val="0"/>
+              </a:spcAft>
+              <a:buFont typeface="Arial" panose="020B0604020202020204" pitchFamily="34" charset="0"/>
+              <a:buChar char="•"/>
+            </a:pPr>
+            <a:r>
+              <a:rPr lang="en-IN" sz="900" dirty="0">
+                <a:solidFill>
+                  <a:schemeClr val="accent2"/>
+                </a:solidFill>
+                <a:latin typeface="Hammersmith One" panose="02010703030501060504" pitchFamily="2" charset="0"/>
+              </a:rPr>
+              <a:t>Then took char[] and declared character length to process password into definite length.</a:t>
+            </a:r>
+          </a:p>
+          <a:p>
+            <a:pPr marL="171450" lvl="0" indent="-171450" algn="l" rtl="0">
+              <a:spcBef>
+                <a:spcPts val="0"/>
+              </a:spcBef>
+              <a:spcAft>
+                <a:spcPts val="0"/>
+              </a:spcAft>
+              <a:buFont typeface="Arial" panose="020B0604020202020204" pitchFamily="34" charset="0"/>
+              <a:buChar char="•"/>
+            </a:pPr>
+            <a:r>
+              <a:rPr lang="en-IN" sz="900" dirty="0">
+                <a:solidFill>
+                  <a:schemeClr val="accent2"/>
+                </a:solidFill>
+                <a:latin typeface="Hammersmith One" panose="02010703030501060504" pitchFamily="2" charset="0"/>
+              </a:rPr>
+              <a:t>Then we took for loop to generate the password within the given length </a:t>
+            </a:r>
+          </a:p>
+          <a:p>
+            <a:pPr marL="171450" lvl="0" indent="-171450" algn="l" rtl="0">
+              <a:spcBef>
+                <a:spcPts val="0"/>
+              </a:spcBef>
+              <a:spcAft>
+                <a:spcPts val="0"/>
+              </a:spcAft>
+              <a:buFont typeface="Arial" panose="020B0604020202020204" pitchFamily="34" charset="0"/>
+              <a:buChar char="•"/>
+            </a:pPr>
+            <a:r>
+              <a:rPr lang="en-IN" sz="900" dirty="0">
+                <a:solidFill>
+                  <a:schemeClr val="accent2"/>
+                </a:solidFill>
+                <a:latin typeface="Hammersmith One" panose="02010703030501060504" pitchFamily="2" charset="0"/>
+              </a:rPr>
+              <a:t>It returns password</a:t>
+            </a:r>
+            <a:endParaRPr lang="en-IN" sz="900" dirty="0">
+              <a:latin typeface="Hammersmith One" panose="02010703030501060504" pitchFamily="2" charset="0"/>
+            </a:endParaRPr>
+          </a:p>
+          <a:p>
+            <a:endParaRPr lang="en-IN" sz="900" dirty="0"/>
           </a:p>
         </p:txBody>
       </p:sp>
@@ -11498,44 +11805,6 @@
 </file>
 
 <file path=ppt/slides/slide3.xml><?xml version="1.0" encoding="utf-8"?>
-<p:sld xmlns:a="http://schemas.openxmlformats.org/drawingml/2006/main" xmlns:r="http://schemas.openxmlformats.org/officeDocument/2006/relationships" xmlns:p="http://schemas.openxmlformats.org/presentationml/2006/main">
-  <p:cSld>
-    <p:bg>
-      <p:bgPr>
-        <a:blipFill>
-          <a:blip r:embed="rId3">
-            <a:alphaModFix/>
-          </a:blip>
-          <a:stretch>
-            <a:fillRect/>
-          </a:stretch>
-        </a:blipFill>
-        <a:effectLst/>
-      </p:bgPr>
-    </p:bg>
-    <p:spTree>
-      <p:nvGrpSpPr>
-        <p:cNvPr id="1" name="Shape 1354"/>
-        <p:cNvGrpSpPr/>
-        <p:nvPr/>
-      </p:nvGrpSpPr>
-      <p:grpSpPr>
-        <a:xfrm>
-          <a:off x="0" y="0"/>
-          <a:ext cx="0" cy="0"/>
-          <a:chOff x="0" y="0"/>
-          <a:chExt cx="0" cy="0"/>
-        </a:xfrm>
-      </p:grpSpPr>
-    </p:spTree>
-  </p:cSld>
-  <p:clrMapOvr>
-    <a:masterClrMapping/>
-  </p:clrMapOvr>
-</p:sld>
-</file>
-
-<file path=ppt/slides/slide4.xml><?xml version="1.0" encoding="utf-8"?>
 <p:sld xmlns:a="http://schemas.openxmlformats.org/drawingml/2006/main" xmlns:r="http://schemas.openxmlformats.org/officeDocument/2006/relationships" xmlns:p="http://schemas.openxmlformats.org/presentationml/2006/main">
   <p:cSld>
     <p:bg>
@@ -11560,6 +11829,36 @@
           <a:chExt cx="0" cy="0"/>
         </a:xfrm>
       </p:grpSpPr>
+      <p:pic>
+        <p:nvPicPr>
+          <p:cNvPr id="3" name="Picture 2">
+            <a:extLst>
+              <a:ext uri="{FF2B5EF4-FFF2-40B4-BE49-F238E27FC236}">
+                <a16:creationId xmlns:a16="http://schemas.microsoft.com/office/drawing/2014/main" id="{71AB0B20-2D48-5801-CD9F-2A0F3A54BBF4}"/>
+              </a:ext>
+            </a:extLst>
+          </p:cNvPr>
+          <p:cNvPicPr>
+            <a:picLocks noChangeAspect="1"/>
+          </p:cNvPicPr>
+          <p:nvPr/>
+        </p:nvPicPr>
+        <p:blipFill>
+          <a:blip r:embed="rId3"/>
+          <a:stretch>
+            <a:fillRect/>
+          </a:stretch>
+        </p:blipFill>
+        <p:spPr>
+          <a:xfrm>
+            <a:off x="266131" y="1717298"/>
+            <a:ext cx="5063320" cy="3426202"/>
+          </a:xfrm>
+          <a:prstGeom prst="rect">
+            <a:avLst/>
+          </a:prstGeom>
+        </p:spPr>
+      </p:pic>
       <p:sp>
         <p:nvSpPr>
           <p:cNvPr id="1375" name="Google Shape;1375;p60"/>
@@ -11596,7 +11895,7 @@
             </a:pPr>
             <a:r>
               <a:rPr lang="en" dirty="0"/>
-              <a:t>During a video call</a:t>
+              <a:t>The Main Method</a:t>
             </a:r>
             <a:endParaRPr dirty="0"/>
           </a:p>
@@ -11627,143 +11926,656 @@
           </a:bodyPr>
           <a:lstStyle/>
           <a:p>
-            <a:pPr marL="457200" lvl="0" indent="-330200" algn="l" rtl="0">
+            <a:pPr marL="0" lvl="0" indent="0" algn="l" rtl="0">
               <a:spcBef>
                 <a:spcPts val="0"/>
               </a:spcBef>
               <a:spcAft>
                 <a:spcPts val="0"/>
               </a:spcAft>
-              <a:buSzPts val="1600"/>
-              <a:buAutoNum type="arabicPeriod"/>
+              <a:buNone/>
             </a:pPr>
             <a:r>
-              <a:rPr lang="en" dirty="0"/>
-              <a:t>On the bottom right, click More </a:t>
+              <a:rPr lang="en-IN" sz="1200" dirty="0">
+                <a:latin typeface="Hammersmith One" panose="02010703030501060504" pitchFamily="2" charset="0"/>
+              </a:rPr>
+              <a:t>Here we see how our main method works on java.</a:t>
             </a:r>
-            <a:endParaRPr dirty="0"/>
-          </a:p>
-          <a:p>
-            <a:pPr marL="457200" lvl="0" indent="-330200" algn="l" rtl="0">
-              <a:spcBef>
-                <a:spcPts val="0"/>
-              </a:spcBef>
-              <a:spcAft>
-                <a:spcPts val="0"/>
-              </a:spcAft>
-              <a:buSzPts val="1600"/>
-              <a:buAutoNum type="arabicPeriod"/>
-            </a:pPr>
-            <a:r>
-              <a:rPr lang="en" dirty="0"/>
-              <a:t>Click Change background</a:t>
-            </a:r>
-            <a:endParaRPr dirty="0"/>
-          </a:p>
-          <a:p>
-            <a:pPr marL="914400" lvl="1" indent="-330200" algn="l" rtl="0">
-              <a:spcBef>
-                <a:spcPts val="0"/>
-              </a:spcBef>
-              <a:spcAft>
-                <a:spcPts val="0"/>
-              </a:spcAft>
-              <a:buSzPts val="1600"/>
-              <a:buAutoNum type="alphaLcPeriod"/>
-            </a:pPr>
-            <a:r>
-              <a:rPr lang="en" dirty="0"/>
-              <a:t>To completely blur your background, click Blur your background </a:t>
-            </a:r>
-            <a:endParaRPr dirty="0"/>
-          </a:p>
-          <a:p>
-            <a:pPr marL="914400" lvl="1" indent="-330200" algn="l" rtl="0">
-              <a:spcBef>
-                <a:spcPts val="0"/>
-              </a:spcBef>
-              <a:spcAft>
-                <a:spcPts val="0"/>
-              </a:spcAft>
-              <a:buSzPts val="1600"/>
-              <a:buAutoNum type="alphaLcPeriod"/>
-            </a:pPr>
-            <a:r>
-              <a:rPr lang="en" dirty="0"/>
-              <a:t>To slightly blur your background, click Slightly blur your background</a:t>
-            </a:r>
-            <a:endParaRPr dirty="0"/>
-          </a:p>
-          <a:p>
-            <a:pPr marL="914400" lvl="1" indent="-330200" algn="l" rtl="0">
-              <a:spcBef>
-                <a:spcPts val="0"/>
-              </a:spcBef>
-              <a:spcAft>
-                <a:spcPts val="0"/>
-              </a:spcAft>
-              <a:buSzPts val="1600"/>
-              <a:buAutoNum type="alphaLcPeriod"/>
-            </a:pPr>
-            <a:r>
-              <a:rPr lang="en" dirty="0"/>
-              <a:t>To select a pre-uploaded background, click a background</a:t>
-            </a:r>
-            <a:endParaRPr dirty="0"/>
-          </a:p>
-          <a:p>
-            <a:pPr marL="914400" lvl="1" indent="-330200" algn="l" rtl="0">
-              <a:spcBef>
-                <a:spcPts val="0"/>
-              </a:spcBef>
-              <a:spcAft>
-                <a:spcPts val="0"/>
-              </a:spcAft>
-              <a:buSzPts val="1600"/>
-              <a:buAutoNum type="alphaLcPeriod"/>
-            </a:pPr>
-            <a:r>
-              <a:rPr lang="en" dirty="0"/>
-              <a:t>To upload your own image for your background, click Add</a:t>
-            </a:r>
-            <a:endParaRPr dirty="0"/>
-          </a:p>
-          <a:p>
-            <a:pPr marL="914400" lvl="1" indent="-330200" algn="l" rtl="0">
-              <a:spcBef>
-                <a:spcPts val="0"/>
-              </a:spcBef>
-              <a:spcAft>
-                <a:spcPts val="0"/>
-              </a:spcAft>
-              <a:buSzPts val="1600"/>
-              <a:buAutoNum type="alphaLcPeriod"/>
-            </a:pPr>
-            <a:r>
-              <a:rPr lang="en" dirty="0"/>
-              <a:t>Tip: Your camera is automatically turned on when you click Change background</a:t>
-            </a:r>
-            <a:endParaRPr dirty="0"/>
           </a:p>
           <a:p>
             <a:pPr marL="0" lvl="0" indent="0" algn="l" rtl="0">
               <a:spcBef>
-                <a:spcPts val="1600"/>
+                <a:spcPts val="0"/>
               </a:spcBef>
               <a:spcAft>
-                <a:spcPts val="1600"/>
+                <a:spcPts val="0"/>
+              </a:spcAft>
+              <a:buNone/>
+            </a:pPr>
+            <a:r>
+              <a:rPr lang="en-IN" sz="1200" dirty="0">
+                <a:latin typeface="Hammersmith One" panose="02010703030501060504" pitchFamily="2" charset="0"/>
+              </a:rPr>
+              <a:t>In Java we write </a:t>
+            </a:r>
+            <a:r>
+              <a:rPr lang="en-IN" sz="1200" i="1" dirty="0">
+                <a:solidFill>
+                  <a:schemeClr val="accent2"/>
+                </a:solidFill>
+                <a:latin typeface="Hammersmith One" panose="02010703030501060504" pitchFamily="2" charset="0"/>
+              </a:rPr>
+              <a:t>public static void main(String[] </a:t>
+            </a:r>
+            <a:r>
+              <a:rPr lang="en-IN" sz="1200" i="1" dirty="0" err="1">
+                <a:solidFill>
+                  <a:schemeClr val="accent2"/>
+                </a:solidFill>
+                <a:latin typeface="Hammersmith One" panose="02010703030501060504" pitchFamily="2" charset="0"/>
+              </a:rPr>
+              <a:t>args</a:t>
+            </a:r>
+            <a:r>
+              <a:rPr lang="en-IN" sz="1200" i="1" dirty="0">
+                <a:solidFill>
+                  <a:schemeClr val="accent2"/>
+                </a:solidFill>
+                <a:latin typeface="Hammersmith One" panose="02010703030501060504" pitchFamily="2" charset="0"/>
+              </a:rPr>
+              <a:t>) </a:t>
+            </a:r>
+            <a:r>
+              <a:rPr lang="en-IN" sz="1200" dirty="0">
+                <a:solidFill>
+                  <a:schemeClr val="accent2"/>
+                </a:solidFill>
+                <a:latin typeface="Hammersmith One" panose="02010703030501060504" pitchFamily="2" charset="0"/>
+              </a:rPr>
+              <a:t>as main function or method on Java</a:t>
+            </a:r>
+            <a:br>
+              <a:rPr lang="en-IN" sz="1200" i="1" dirty="0">
+                <a:solidFill>
+                  <a:schemeClr val="accent2"/>
+                </a:solidFill>
+                <a:latin typeface="Hammersmith One" panose="02010703030501060504" pitchFamily="2" charset="0"/>
+              </a:rPr>
+            </a:br>
+            <a:endParaRPr lang="en-IN" sz="1200" i="1" dirty="0">
+              <a:latin typeface="Hammersmith One" panose="02010703030501060504" pitchFamily="2" charset="0"/>
+            </a:endParaRPr>
+          </a:p>
+          <a:p>
+            <a:pPr marL="0" lvl="0" indent="0" algn="l" rtl="0">
+              <a:spcBef>
+                <a:spcPts val="0"/>
+              </a:spcBef>
+              <a:spcAft>
+                <a:spcPts val="0"/>
+              </a:spcAft>
+              <a:buNone/>
+            </a:pPr>
+            <a:r>
+              <a:rPr lang="en-IN" sz="1200" dirty="0">
+                <a:latin typeface="Hammersmith One" panose="02010703030501060504" pitchFamily="2" charset="0"/>
+              </a:rPr>
+              <a:t>Let’s See our Code:</a:t>
+            </a:r>
+          </a:p>
+        </p:txBody>
+      </p:sp>
+      <p:sp>
+        <p:nvSpPr>
+          <p:cNvPr id="4" name="TextBox 3">
+            <a:extLst>
+              <a:ext uri="{FF2B5EF4-FFF2-40B4-BE49-F238E27FC236}">
+                <a16:creationId xmlns:a16="http://schemas.microsoft.com/office/drawing/2014/main" id="{83011052-CD28-006D-015E-2C566A9DBA21}"/>
+              </a:ext>
+            </a:extLst>
+          </p:cNvPr>
+          <p:cNvSpPr txBox="1"/>
+          <p:nvPr/>
+        </p:nvSpPr>
+        <p:spPr>
+          <a:xfrm>
+            <a:off x="5268036" y="2127224"/>
+            <a:ext cx="3562066" cy="1754326"/>
+          </a:xfrm>
+          <a:prstGeom prst="rect">
+            <a:avLst/>
+          </a:prstGeom>
+          <a:noFill/>
+        </p:spPr>
+        <p:txBody>
+          <a:bodyPr wrap="square" rtlCol="0">
+            <a:spAutoFit/>
+          </a:bodyPr>
+          <a:lstStyle/>
+          <a:p>
+            <a:pPr marL="171450" lvl="0" indent="-171450" algn="l" rtl="0">
+              <a:spcBef>
+                <a:spcPts val="0"/>
+              </a:spcBef>
+              <a:spcAft>
+                <a:spcPts val="0"/>
+              </a:spcAft>
+              <a:buFont typeface="Arial" panose="020B0604020202020204" pitchFamily="34" charset="0"/>
+              <a:buChar char="•"/>
+            </a:pPr>
+            <a:r>
+              <a:rPr lang="en-IN" sz="900" dirty="0">
+                <a:solidFill>
+                  <a:schemeClr val="accent2"/>
+                </a:solidFill>
+                <a:latin typeface="Hammersmith One" panose="02010703030501060504" pitchFamily="2" charset="0"/>
+              </a:rPr>
+              <a:t>Here in main function we had to take a library called </a:t>
+            </a:r>
+            <a:r>
+              <a:rPr lang="en-IN" sz="900" dirty="0" err="1">
+                <a:solidFill>
+                  <a:schemeClr val="accent2"/>
+                </a:solidFill>
+                <a:latin typeface="Hammersmith One" panose="02010703030501060504" pitchFamily="2" charset="0"/>
+              </a:rPr>
+              <a:t>java.util.Scanner</a:t>
+            </a:r>
+            <a:r>
+              <a:rPr lang="en-IN" sz="900" dirty="0">
+                <a:solidFill>
+                  <a:schemeClr val="accent2"/>
+                </a:solidFill>
+                <a:latin typeface="Hammersmith One" panose="02010703030501060504" pitchFamily="2" charset="0"/>
+              </a:rPr>
+              <a:t>; </a:t>
+            </a:r>
+            <a:r>
+              <a:rPr lang="en-IN" sz="900" i="1" dirty="0">
+                <a:solidFill>
+                  <a:schemeClr val="accent2"/>
+                </a:solidFill>
+                <a:latin typeface="Hammersmith One" panose="02010703030501060504" pitchFamily="2" charset="0"/>
+              </a:rPr>
+              <a:t>which takes input on terminal </a:t>
+            </a:r>
+          </a:p>
+          <a:p>
+            <a:pPr marL="171450" lvl="0" indent="-171450" algn="l" rtl="0">
+              <a:spcBef>
+                <a:spcPts val="0"/>
+              </a:spcBef>
+              <a:spcAft>
+                <a:spcPts val="0"/>
+              </a:spcAft>
+              <a:buFont typeface="Arial" panose="020B0604020202020204" pitchFamily="34" charset="0"/>
+              <a:buChar char="•"/>
+            </a:pPr>
+            <a:r>
+              <a:rPr lang="en-IN" sz="900" dirty="0">
+                <a:solidFill>
+                  <a:schemeClr val="accent2"/>
+                </a:solidFill>
+                <a:latin typeface="Hammersmith One" panose="02010703030501060504" pitchFamily="2" charset="0"/>
+              </a:rPr>
+              <a:t>In public static void main(String[] </a:t>
+            </a:r>
+            <a:r>
+              <a:rPr lang="en-IN" sz="900" dirty="0" err="1">
+                <a:solidFill>
+                  <a:schemeClr val="accent2"/>
+                </a:solidFill>
+                <a:latin typeface="Hammersmith One" panose="02010703030501060504" pitchFamily="2" charset="0"/>
+              </a:rPr>
+              <a:t>args</a:t>
+            </a:r>
+            <a:r>
+              <a:rPr lang="en-IN" sz="900" dirty="0">
+                <a:solidFill>
+                  <a:schemeClr val="accent2"/>
+                </a:solidFill>
+                <a:latin typeface="Hammersmith One" panose="02010703030501060504" pitchFamily="2" charset="0"/>
+              </a:rPr>
+              <a:t>)</a:t>
+            </a:r>
+            <a:br>
+              <a:rPr lang="en-IN" sz="900" dirty="0">
+                <a:solidFill>
+                  <a:schemeClr val="accent2"/>
+                </a:solidFill>
+                <a:latin typeface="Hammersmith One" panose="02010703030501060504" pitchFamily="2" charset="0"/>
+              </a:rPr>
+            </a:br>
+            <a:r>
+              <a:rPr lang="en-IN" sz="900" dirty="0">
+                <a:solidFill>
+                  <a:schemeClr val="accent2"/>
+                </a:solidFill>
+                <a:latin typeface="Hammersmith One" panose="02010703030501060504" pitchFamily="2" charset="0"/>
+              </a:rPr>
+              <a:t>We have declared try method to close the functions</a:t>
+            </a:r>
+          </a:p>
+          <a:p>
+            <a:pPr marL="171450" lvl="0" indent="-171450" algn="l" rtl="0">
+              <a:spcBef>
+                <a:spcPts val="0"/>
+              </a:spcBef>
+              <a:spcAft>
+                <a:spcPts val="0"/>
+              </a:spcAft>
+              <a:buFont typeface="Arial" panose="020B0604020202020204" pitchFamily="34" charset="0"/>
+              <a:buChar char="•"/>
+            </a:pPr>
+            <a:r>
+              <a:rPr lang="en-IN" sz="900" dirty="0">
+                <a:solidFill>
+                  <a:schemeClr val="accent2"/>
+                </a:solidFill>
+                <a:latin typeface="Hammersmith One" panose="02010703030501060504" pitchFamily="2" charset="0"/>
+              </a:rPr>
+              <a:t>Took Scanner </a:t>
+            </a:r>
+            <a:r>
+              <a:rPr lang="en-IN" sz="900" dirty="0" err="1">
+                <a:solidFill>
+                  <a:schemeClr val="accent2"/>
+                </a:solidFill>
+                <a:latin typeface="Hammersmith One" panose="02010703030501060504" pitchFamily="2" charset="0"/>
+              </a:rPr>
+              <a:t>len</a:t>
+            </a:r>
+            <a:r>
+              <a:rPr lang="en-IN" sz="900" dirty="0">
+                <a:solidFill>
+                  <a:schemeClr val="accent2"/>
+                </a:solidFill>
+                <a:latin typeface="Hammersmith One" panose="02010703030501060504" pitchFamily="2" charset="0"/>
+              </a:rPr>
+              <a:t> as a object for scanner then the ‘’Enter you password Length is just a display to show user to enter length for password.</a:t>
+            </a:r>
+          </a:p>
+          <a:p>
+            <a:pPr marL="171450" lvl="0" indent="-171450" algn="l" rtl="0">
+              <a:spcBef>
+                <a:spcPts val="0"/>
+              </a:spcBef>
+              <a:spcAft>
+                <a:spcPts val="0"/>
+              </a:spcAft>
+              <a:buFont typeface="Arial" panose="020B0604020202020204" pitchFamily="34" charset="0"/>
+              <a:buChar char="•"/>
+            </a:pPr>
+            <a:r>
+              <a:rPr lang="en-IN" sz="900" dirty="0">
+                <a:solidFill>
+                  <a:schemeClr val="accent2"/>
+                </a:solidFill>
+                <a:latin typeface="Hammersmith One" panose="02010703030501060504" pitchFamily="2" charset="0"/>
+              </a:rPr>
+              <a:t>Took int length which is equal to </a:t>
+            </a:r>
+            <a:r>
+              <a:rPr lang="en-IN" sz="900" dirty="0" err="1">
+                <a:solidFill>
+                  <a:schemeClr val="accent2"/>
+                </a:solidFill>
+                <a:latin typeface="Hammersmith One" panose="02010703030501060504" pitchFamily="2" charset="0"/>
+              </a:rPr>
+              <a:t>len.nextInt</a:t>
+            </a:r>
+            <a:r>
+              <a:rPr lang="en-IN" sz="900" dirty="0">
+                <a:solidFill>
+                  <a:schemeClr val="accent2"/>
+                </a:solidFill>
+                <a:latin typeface="Hammersmith One" panose="02010703030501060504" pitchFamily="2" charset="0"/>
+              </a:rPr>
+              <a:t>(); which directs us to length taken in integer</a:t>
+            </a:r>
+          </a:p>
+          <a:p>
+            <a:pPr marL="171450" lvl="0" indent="-171450" algn="l" rtl="0">
+              <a:spcBef>
+                <a:spcPts val="0"/>
+              </a:spcBef>
+              <a:spcAft>
+                <a:spcPts val="0"/>
+              </a:spcAft>
+              <a:buFont typeface="Arial" panose="020B0604020202020204" pitchFamily="34" charset="0"/>
+              <a:buChar char="•"/>
+            </a:pPr>
+            <a:r>
+              <a:rPr lang="en-IN" sz="900" dirty="0">
+                <a:solidFill>
+                  <a:schemeClr val="accent2"/>
+                </a:solidFill>
+                <a:latin typeface="Hammersmith One" panose="02010703030501060504" pitchFamily="2" charset="0"/>
+              </a:rPr>
+              <a:t>Then We print our password and desired password length on our terminal.</a:t>
+            </a:r>
+          </a:p>
+          <a:p>
+            <a:pPr marL="171450" lvl="0" indent="-171450" algn="l" rtl="0">
+              <a:spcBef>
+                <a:spcPts val="0"/>
+              </a:spcBef>
+              <a:spcAft>
+                <a:spcPts val="0"/>
+              </a:spcAft>
+              <a:buFont typeface="Arial" panose="020B0604020202020204" pitchFamily="34" charset="0"/>
+              <a:buChar char="•"/>
+            </a:pPr>
+            <a:endParaRPr lang="en-IN" sz="900" dirty="0">
+              <a:solidFill>
+                <a:schemeClr val="accent2"/>
+              </a:solidFill>
+              <a:latin typeface="Hammersmith One" panose="02010703030501060504" pitchFamily="2" charset="0"/>
+            </a:endParaRPr>
+          </a:p>
+        </p:txBody>
+      </p:sp>
+    </p:spTree>
+  </p:cSld>
+  <p:clrMapOvr>
+    <a:masterClrMapping/>
+  </p:clrMapOvr>
+</p:sld>
+</file>
+
+<file path=ppt/slides/slide4.xml><?xml version="1.0" encoding="utf-8"?>
+<p:sld xmlns:a="http://schemas.openxmlformats.org/drawingml/2006/main" xmlns:r="http://schemas.openxmlformats.org/officeDocument/2006/relationships" xmlns:p="http://schemas.openxmlformats.org/presentationml/2006/main">
+  <p:cSld>
+    <p:spTree>
+      <p:nvGrpSpPr>
+        <p:cNvPr id="1" name="Shape 1325"/>
+        <p:cNvGrpSpPr/>
+        <p:nvPr/>
+      </p:nvGrpSpPr>
+      <p:grpSpPr>
+        <a:xfrm>
+          <a:off x="0" y="0"/>
+          <a:ext cx="0" cy="0"/>
+          <a:chOff x="0" y="0"/>
+          <a:chExt cx="0" cy="0"/>
+        </a:xfrm>
+      </p:grpSpPr>
+      <p:sp>
+        <p:nvSpPr>
+          <p:cNvPr id="1326" name="Google Shape;1326;p55"/>
+          <p:cNvSpPr txBox="1">
+            <a:spLocks noGrp="1"/>
+          </p:cNvSpPr>
+          <p:nvPr>
+            <p:ph type="body" idx="1"/>
+          </p:nvPr>
+        </p:nvSpPr>
+        <p:spPr>
+          <a:xfrm>
+            <a:off x="713250" y="1808327"/>
+            <a:ext cx="7717500" cy="2218522"/>
+          </a:xfrm>
+          <a:prstGeom prst="rect">
+            <a:avLst/>
+          </a:prstGeom>
+        </p:spPr>
+        <p:txBody>
+          <a:bodyPr spcFirstLastPara="1" wrap="square" lIns="91425" tIns="91425" rIns="91425" bIns="91425" anchor="t" anchorCtr="0">
+            <a:noAutofit/>
+          </a:bodyPr>
+          <a:lstStyle/>
+          <a:p>
+            <a:pPr marL="0" lvl="0" indent="0" algn="ctr" rtl="0">
+              <a:spcBef>
+                <a:spcPts val="0"/>
+              </a:spcBef>
+              <a:spcAft>
+                <a:spcPts val="0"/>
+              </a:spcAft>
+              <a:buNone/>
+            </a:pPr>
+            <a:r>
+              <a:rPr lang="en-IN" dirty="0">
+                <a:latin typeface="Hammersmith One" panose="02010703030501060504" pitchFamily="2" charset="0"/>
+              </a:rPr>
+              <a:t>With this main method we complete our code /  script of Simple Password Generation on java.</a:t>
+            </a:r>
+          </a:p>
+          <a:p>
+            <a:pPr marL="0" lvl="0" indent="0" algn="ctr" rtl="0">
+              <a:spcBef>
+                <a:spcPts val="0"/>
+              </a:spcBef>
+              <a:spcAft>
+                <a:spcPts val="0"/>
+              </a:spcAft>
+              <a:buNone/>
+            </a:pPr>
+            <a:endParaRPr lang="en-IN" dirty="0">
+              <a:latin typeface="Hammersmith One" panose="02010703030501060504" pitchFamily="2" charset="0"/>
+            </a:endParaRPr>
+          </a:p>
+          <a:p>
+            <a:pPr marL="0" lvl="0" indent="0" algn="ctr" rtl="0">
+              <a:spcBef>
+                <a:spcPts val="0"/>
+              </a:spcBef>
+              <a:spcAft>
+                <a:spcPts val="0"/>
+              </a:spcAft>
+              <a:buNone/>
+            </a:pPr>
+            <a:r>
+              <a:rPr lang="en-IN" dirty="0">
+                <a:latin typeface="Hammersmith One" panose="02010703030501060504" pitchFamily="2" charset="0"/>
+              </a:rPr>
+              <a:t>Presentation and Project for Data Structure </a:t>
+            </a:r>
+          </a:p>
+          <a:p>
+            <a:pPr marL="0" lvl="0" indent="0" algn="ctr" rtl="0">
+              <a:spcBef>
+                <a:spcPts val="0"/>
+              </a:spcBef>
+              <a:spcAft>
+                <a:spcPts val="0"/>
+              </a:spcAft>
+              <a:buNone/>
+            </a:pPr>
+            <a:r>
+              <a:rPr lang="en-IN" dirty="0">
+                <a:latin typeface="Hammersmith One" panose="02010703030501060504" pitchFamily="2" charset="0"/>
+              </a:rPr>
+              <a:t>Submission Sir Al Akram Chowdhury</a:t>
+            </a:r>
+          </a:p>
+          <a:p>
+            <a:pPr marL="0" lvl="0" indent="0" algn="ctr" rtl="0">
+              <a:spcBef>
+                <a:spcPts val="0"/>
+              </a:spcBef>
+              <a:spcAft>
+                <a:spcPts val="0"/>
+              </a:spcAft>
+              <a:buNone/>
+            </a:pPr>
+            <a:r>
+              <a:rPr lang="en-IN" dirty="0">
+                <a:latin typeface="Hammersmith One" panose="02010703030501060504" pitchFamily="2" charset="0"/>
+              </a:rPr>
+              <a:t> LECTURER</a:t>
+            </a:r>
+          </a:p>
+          <a:p>
+            <a:pPr marL="0" lvl="0" indent="0" algn="ctr" rtl="0">
+              <a:spcBef>
+                <a:spcPts val="0"/>
+              </a:spcBef>
+              <a:spcAft>
+                <a:spcPts val="0"/>
+              </a:spcAft>
+              <a:buNone/>
+            </a:pPr>
+            <a:r>
+              <a:rPr lang="en-IN" dirty="0">
+                <a:latin typeface="Hammersmith One" panose="02010703030501060504" pitchFamily="2" charset="0"/>
+              </a:rPr>
+              <a:t> Department of BSc in Software Engineering.</a:t>
+            </a:r>
+          </a:p>
+          <a:p>
+            <a:pPr marL="0" lvl="0" indent="0" algn="ctr" rtl="0">
+              <a:spcBef>
+                <a:spcPts val="0"/>
+              </a:spcBef>
+              <a:spcAft>
+                <a:spcPts val="0"/>
+              </a:spcAft>
+              <a:buNone/>
+            </a:pPr>
+            <a:r>
+              <a:rPr lang="en-IN" dirty="0">
+                <a:latin typeface="Hammersmith One" panose="02010703030501060504" pitchFamily="2" charset="0"/>
+              </a:rPr>
+              <a:t> Metropolitan University, Sylhet</a:t>
+            </a:r>
+          </a:p>
+          <a:p>
+            <a:pPr marL="0" lvl="0" indent="0" algn="ctr" rtl="0">
+              <a:spcBef>
+                <a:spcPts val="0"/>
+              </a:spcBef>
+              <a:spcAft>
+                <a:spcPts val="0"/>
+              </a:spcAft>
+              <a:buNone/>
+            </a:pPr>
+            <a:endParaRPr lang="en-IN" dirty="0">
+              <a:latin typeface="Hammersmith One" panose="02010703030501060504" pitchFamily="2" charset="0"/>
+            </a:endParaRPr>
+          </a:p>
+          <a:p>
+            <a:pPr marL="0" lvl="0" indent="0" algn="ctr" rtl="0">
+              <a:spcBef>
+                <a:spcPts val="0"/>
+              </a:spcBef>
+              <a:spcAft>
+                <a:spcPts val="0"/>
+              </a:spcAft>
+              <a:buNone/>
+            </a:pPr>
+            <a:r>
+              <a:rPr lang="en-IN" dirty="0">
+                <a:latin typeface="Hammersmith One" panose="02010703030501060504" pitchFamily="2" charset="0"/>
+              </a:rPr>
+              <a:t>Coded by Shafat Alam – SE 1</a:t>
+            </a:r>
+            <a:r>
+              <a:rPr lang="en-IN" baseline="30000" dirty="0">
+                <a:latin typeface="Hammersmith One" panose="02010703030501060504" pitchFamily="2" charset="0"/>
+              </a:rPr>
+              <a:t>st</a:t>
+            </a:r>
+            <a:r>
+              <a:rPr lang="en-IN" dirty="0">
+                <a:latin typeface="Hammersmith One" panose="02010703030501060504" pitchFamily="2" charset="0"/>
+              </a:rPr>
+              <a:t> Batch</a:t>
+            </a:r>
+          </a:p>
+          <a:p>
+            <a:pPr marL="0" lvl="0" indent="0" algn="ctr" rtl="0">
+              <a:spcBef>
+                <a:spcPts val="0"/>
+              </a:spcBef>
+              <a:spcAft>
+                <a:spcPts val="0"/>
+              </a:spcAft>
+              <a:buNone/>
+            </a:pPr>
+            <a:r>
+              <a:rPr lang="en-IN" dirty="0">
+                <a:latin typeface="Hammersmith One" panose="02010703030501060504" pitchFamily="2" charset="0"/>
+              </a:rPr>
+              <a:t>Presentation Created by Shafat Alam – SE 1</a:t>
+            </a:r>
+            <a:r>
+              <a:rPr lang="en-IN" baseline="30000" dirty="0">
+                <a:latin typeface="Hammersmith One" panose="02010703030501060504" pitchFamily="2" charset="0"/>
+              </a:rPr>
+              <a:t>st</a:t>
+            </a:r>
+            <a:r>
+              <a:rPr lang="en-IN" dirty="0">
+                <a:latin typeface="Hammersmith One" panose="02010703030501060504" pitchFamily="2" charset="0"/>
+              </a:rPr>
+              <a:t> Batch</a:t>
+            </a:r>
+          </a:p>
+          <a:p>
+            <a:pPr marL="0" lvl="0" indent="0" algn="ctr" rtl="0">
+              <a:spcBef>
+                <a:spcPts val="0"/>
+              </a:spcBef>
+              <a:spcAft>
+                <a:spcPts val="0"/>
+              </a:spcAft>
+              <a:buNone/>
+            </a:pPr>
+            <a:endParaRPr lang="en-IN" dirty="0">
+              <a:latin typeface="Hammersmith One" panose="02010703030501060504" pitchFamily="2" charset="0"/>
+            </a:endParaRPr>
+          </a:p>
+        </p:txBody>
+      </p:sp>
+      <p:sp>
+        <p:nvSpPr>
+          <p:cNvPr id="1327" name="Google Shape;1327;p55"/>
+          <p:cNvSpPr txBox="1">
+            <a:spLocks noGrp="1"/>
+          </p:cNvSpPr>
+          <p:nvPr>
+            <p:ph type="title"/>
+          </p:nvPr>
+        </p:nvSpPr>
+        <p:spPr>
+          <a:xfrm>
+            <a:off x="713250" y="1266827"/>
+            <a:ext cx="7717500" cy="541500"/>
+          </a:xfrm>
+          <a:prstGeom prst="rect">
+            <a:avLst/>
+          </a:prstGeom>
+        </p:spPr>
+        <p:txBody>
+          <a:bodyPr spcFirstLastPara="1" wrap="square" lIns="91425" tIns="91425" rIns="91425" bIns="91425" anchor="b" anchorCtr="0">
+            <a:noAutofit/>
+          </a:bodyPr>
+          <a:lstStyle/>
+          <a:p>
+            <a:pPr marL="0" lvl="0" indent="0" algn="ctr" rtl="0">
+              <a:spcBef>
+                <a:spcPts val="0"/>
+              </a:spcBef>
+              <a:spcAft>
+                <a:spcPts val="0"/>
               </a:spcAft>
               <a:buNone/>
             </a:pPr>
             <a:r>
               <a:rPr lang="en" dirty="0"/>
-              <a:t>Changing your background may slow down your device. You may want to turn this feature off to allow other apps to run faster on your computer</a:t>
+              <a:t>Thank you</a:t>
             </a:r>
             <a:endParaRPr dirty="0"/>
           </a:p>
         </p:txBody>
       </p:sp>
     </p:spTree>
+    <p:extLst>
+      <p:ext uri="{BB962C8B-B14F-4D97-AF65-F5344CB8AC3E}">
+        <p14:creationId xmlns:p14="http://schemas.microsoft.com/office/powerpoint/2010/main" val="563694273"/>
+      </p:ext>
+    </p:extLst>
   </p:cSld>
   <p:clrMapOvr>
     <a:masterClrMapping/>

--- a/Simple Presentation about this project.pptx
+++ b/Simple Presentation about this project.pptx
@@ -21,9 +21,14 @@
       <p:regular r:id="rId7"/>
     </p:embeddedFont>
     <p:embeddedFont>
+      <p:font typeface="Manjari" panose="02000503000000000000" pitchFamily="2" charset="0"/>
+      <p:regular r:id="rId8"/>
+      <p:bold r:id="rId9"/>
+    </p:embeddedFont>
+    <p:embeddedFont>
       <p:font typeface="Roboto Condensed Light" panose="02000000000000000000" pitchFamily="2" charset="0"/>
-      <p:regular r:id="rId8"/>
-      <p:italic r:id="rId9"/>
+      <p:regular r:id="rId10"/>
+      <p:italic r:id="rId11"/>
     </p:embeddedFont>
   </p:embeddedFontLst>
   <p:defaultTextStyle>
@@ -11365,6 +11370,18 @@
   <p:clrMapOvr>
     <a:masterClrMapping/>
   </p:clrMapOvr>
+  <mc:AlternateContent xmlns:mc="http://schemas.openxmlformats.org/markup-compatibility/2006">
+    <mc:Choice xmlns:p14="http://schemas.microsoft.com/office/powerpoint/2010/main" Requires="p14">
+      <p:transition spd="med" p14:dur="700">
+        <p:fade/>
+      </p:transition>
+    </mc:Choice>
+    <mc:Fallback>
+      <p:transition spd="med">
+        <p:fade/>
+      </p:transition>
+    </mc:Fallback>
+  </mc:AlternateContent>
 </p:sld>
 </file>
 
@@ -11801,6 +11818,18 @@
   <p:clrMapOvr>
     <a:masterClrMapping/>
   </p:clrMapOvr>
+  <mc:AlternateContent xmlns:mc="http://schemas.openxmlformats.org/markup-compatibility/2006">
+    <mc:Choice xmlns:p14="http://schemas.microsoft.com/office/powerpoint/2010/main" Requires="p14">
+      <p:transition spd="med" p14:dur="700">
+        <p:fade/>
+      </p:transition>
+    </mc:Choice>
+    <mc:Fallback>
+      <p:transition spd="med">
+        <p:fade/>
+      </p:transition>
+    </mc:Fallback>
+  </mc:AlternateContent>
 </p:sld>
 </file>
 
@@ -12280,6 +12309,18 @@
   <p:clrMapOvr>
     <a:masterClrMapping/>
   </p:clrMapOvr>
+  <mc:AlternateContent xmlns:mc="http://schemas.openxmlformats.org/markup-compatibility/2006">
+    <mc:Choice xmlns:p14="http://schemas.microsoft.com/office/powerpoint/2010/main" Requires="p14">
+      <p:transition spd="med" p14:dur="700">
+        <p:fade/>
+      </p:transition>
+    </mc:Choice>
+    <mc:Fallback>
+      <p:transition spd="med">
+        <p:fade/>
+      </p:transition>
+    </mc:Fallback>
+  </mc:AlternateContent>
 </p:sld>
 </file>
 
@@ -12580,6 +12621,18 @@
   <p:clrMapOvr>
     <a:masterClrMapping/>
   </p:clrMapOvr>
+  <mc:AlternateContent xmlns:mc="http://schemas.openxmlformats.org/markup-compatibility/2006">
+    <mc:Choice xmlns:p14="http://schemas.microsoft.com/office/powerpoint/2010/main" Requires="p14">
+      <p:transition spd="med" p14:dur="700">
+        <p:fade/>
+      </p:transition>
+    </mc:Choice>
+    <mc:Fallback>
+      <p:transition spd="med">
+        <p:fade/>
+      </p:transition>
+    </mc:Fallback>
+  </mc:AlternateContent>
 </p:sld>
 </file>
 
